--- a/presentations/Session_8_Circuit_Breaker.pptx
+++ b/presentations/Session_8_Circuit_Breaker.pptx
@@ -142,6 +142,20 @@
         </p14:section>
       </p14:sectionLst>
     </p:ext>
+    <p:ext uri="{EFAFB233-063F-42B5-8137-9DF3F51BA10A}">
+      <p15:sldGuideLst xmlns:p15="http://schemas.microsoft.com/office/powerpoint/2012/main">
+        <p15:guide id="1" orient="horz" pos="1620">
+          <p15:clr>
+            <a:srgbClr val="A4A3A4"/>
+          </p15:clr>
+        </p15:guide>
+        <p15:guide id="2" pos="2880">
+          <p15:clr>
+            <a:srgbClr val="A4A3A4"/>
+          </p15:clr>
+        </p15:guide>
+      </p15:sldGuideLst>
+    </p:ext>
   </p:extLst>
 </p:presentation>
 </file>
@@ -228,7 +242,7 @@
           <a:p>
             <a:fld id="{372E5B6B-8713-8747-AE5B-F1241B2BF5F0}" type="datetimeFigureOut">
               <a:rPr lang="en-US" smtClean="0"/>
-              <a:t>11/1/17</a:t>
+              <a:t>7/18/18</a:t>
             </a:fld>
             <a:endParaRPr lang="en-US"/>
           </a:p>
@@ -394,7 +408,7 @@
           <a:p>
             <a:fld id="{7E7B7340-DDD5-1B49-81AA-25BC4050C073}" type="datetimeFigureOut">
               <a:rPr lang="en-US" smtClean="0"/>
-              <a:t>11/1/17</a:t>
+              <a:t>7/18/18</a:t>
             </a:fld>
             <a:endParaRPr lang="en-US"/>
           </a:p>
@@ -458,38 +472,37 @@
           <a:p>
             <a:pPr lvl="0"/>
             <a:r>
-              <a:rPr lang="en-US" smtClean="0"/>
+              <a:rPr lang="en-US"/>
               <a:t>Click to edit Master text styles</a:t>
             </a:r>
           </a:p>
           <a:p>
             <a:pPr lvl="1"/>
             <a:r>
-              <a:rPr lang="en-US" smtClean="0"/>
+              <a:rPr lang="en-US"/>
               <a:t>Second level</a:t>
             </a:r>
           </a:p>
           <a:p>
             <a:pPr lvl="2"/>
             <a:r>
-              <a:rPr lang="en-US" smtClean="0"/>
+              <a:rPr lang="en-US"/>
               <a:t>Third level</a:t>
             </a:r>
           </a:p>
           <a:p>
             <a:pPr lvl="3"/>
             <a:r>
-              <a:rPr lang="en-US" smtClean="0"/>
+              <a:rPr lang="en-US"/>
               <a:t>Fourth level</a:t>
             </a:r>
           </a:p>
           <a:p>
             <a:pPr lvl="4"/>
             <a:r>
-              <a:rPr lang="en-US" smtClean="0"/>
+              <a:rPr lang="en-US"/>
               <a:t>Fifth level</a:t>
             </a:r>
-            <a:endParaRPr lang="en-US"/>
           </a:p>
         </p:txBody>
       </p:sp>
@@ -708,11 +721,11 @@
           <a:lstStyle/>
           <a:p>
             <a:r>
-              <a:rPr lang="en-US" dirty="0" smtClean="0"/>
+              <a:rPr lang="en-US" dirty="0"/>
               <a:t>Resting slide</a:t>
             </a:r>
             <a:r>
-              <a:rPr lang="en-US" baseline="0" dirty="0" smtClean="0"/>
+              <a:rPr lang="en-US" baseline="0" dirty="0"/>
               <a:t> on screen before you begin presenting.</a:t>
             </a:r>
             <a:endParaRPr lang="en-US" dirty="0"/>
@@ -955,22 +968,21 @@
           <a:lstStyle/>
           <a:p>
             <a:r>
-              <a:rPr lang="en-US" dirty="0" smtClean="0"/>
+              <a:rPr lang="en-US" dirty="0"/>
               <a:t>Service Discovery is one of the key tenets of a microservice based architecture.</a:t>
             </a:r>
           </a:p>
           <a:p>
             <a:r>
-              <a:rPr lang="en-US" dirty="0" smtClean="0"/>
+              <a:rPr lang="en-US" dirty="0"/>
               <a:t>In distributed systems, application dependencies cease to be a method call away.</a:t>
             </a:r>
           </a:p>
           <a:p>
             <a:r>
-              <a:rPr lang="en-US" dirty="0" smtClean="0"/>
+              <a:rPr lang="en-US" dirty="0"/>
               <a:t>Trying to hand configure each client or use some form of convention can be very difficult to do and can be very brittle.</a:t>
             </a:r>
-            <a:endParaRPr lang="en-US" dirty="0"/>
           </a:p>
         </p:txBody>
       </p:sp>
@@ -1055,22 +1067,21 @@
           <a:lstStyle/>
           <a:p>
             <a:r>
-              <a:rPr lang="en-US" dirty="0" smtClean="0"/>
+              <a:rPr lang="en-US" dirty="0"/>
               <a:t>Service Discovery is one of the key tenets of a microservice based architecture.</a:t>
             </a:r>
           </a:p>
           <a:p>
             <a:r>
-              <a:rPr lang="en-US" dirty="0" smtClean="0"/>
+              <a:rPr lang="en-US" dirty="0"/>
               <a:t>In distributed systems, application dependencies cease to be a method call away.</a:t>
             </a:r>
           </a:p>
           <a:p>
             <a:r>
-              <a:rPr lang="en-US" dirty="0" smtClean="0"/>
+              <a:rPr lang="en-US" dirty="0"/>
               <a:t>Trying to hand configure each client or use some form of convention can be very difficult to do and can be very brittle.</a:t>
             </a:r>
-            <a:endParaRPr lang="en-US" dirty="0"/>
           </a:p>
         </p:txBody>
       </p:sp>
@@ -2247,7 +2258,7 @@
   <p:clrMapOvr>
     <a:masterClrMapping/>
   </p:clrMapOvr>
-  <p:transition xmlns:p14="http://schemas.microsoft.com/office/powerpoint/2010/main" spd="med"/>
+  <p:transition spd="med"/>
 </p:sldLayout>
 </file>
 
@@ -2475,10 +2486,9 @@
           </a:lstStyle>
           <a:p>
             <a:r>
-              <a:rPr lang="en-US" dirty="0" smtClean="0"/>
+              <a:rPr lang="en-US" dirty="0"/>
               <a:t>CLICK TO EDIT MASTER TITLE STYLE</a:t>
             </a:r>
-            <a:endParaRPr lang="en-US" dirty="0"/>
           </a:p>
         </p:txBody>
       </p:sp>
@@ -2553,35 +2563,35 @@
           <a:p>
             <a:pPr lvl="0"/>
             <a:r>
-              <a:rPr lang="en-US" smtClean="0"/>
+              <a:rPr lang="en-US"/>
               <a:t>Click to edit Master text styles</a:t>
             </a:r>
           </a:p>
           <a:p>
             <a:pPr lvl="1"/>
             <a:r>
-              <a:rPr lang="en-US" smtClean="0"/>
+              <a:rPr lang="en-US"/>
               <a:t>Second level</a:t>
             </a:r>
           </a:p>
           <a:p>
             <a:pPr lvl="2"/>
             <a:r>
-              <a:rPr lang="en-US" smtClean="0"/>
+              <a:rPr lang="en-US"/>
               <a:t>Third level</a:t>
             </a:r>
           </a:p>
           <a:p>
             <a:pPr lvl="3"/>
             <a:r>
-              <a:rPr lang="en-US" smtClean="0"/>
+              <a:rPr lang="en-US"/>
               <a:t>Fourth level</a:t>
             </a:r>
           </a:p>
           <a:p>
             <a:pPr lvl="4"/>
             <a:r>
-              <a:rPr lang="en-US" smtClean="0"/>
+              <a:rPr lang="en-US"/>
               <a:t>Fifth level</a:t>
             </a:r>
             <a:endParaRPr lang="en-US" dirty="0"/>
@@ -2660,7 +2670,7 @@
           <a:p>
             <a:pPr algn="l"/>
             <a:r>
-              <a:rPr lang="en-US" sz="600" dirty="0" smtClean="0">
+              <a:rPr lang="en-US" sz="600" dirty="0">
                 <a:solidFill>
                   <a:schemeClr val="bg1">
                     <a:lumMod val="50000"/>
@@ -2672,7 +2682,7 @@
               <a:t>© Copyright 2015 Pivotal.</a:t>
             </a:r>
             <a:r>
-              <a:rPr lang="en-US" sz="600" baseline="0" dirty="0" smtClean="0">
+              <a:rPr lang="en-US" sz="600" baseline="0" dirty="0">
                 <a:solidFill>
                   <a:schemeClr val="bg1">
                     <a:lumMod val="50000"/>
@@ -2684,7 +2694,7 @@
               <a:t> </a:t>
             </a:r>
             <a:r>
-              <a:rPr lang="en-US" sz="600" dirty="0" smtClean="0">
+              <a:rPr lang="en-US" sz="600" dirty="0">
                 <a:solidFill>
                   <a:schemeClr val="bg1">
                     <a:lumMod val="50000"/>
@@ -2695,15 +2705,6 @@
               </a:rPr>
               <a:t>All rights reserved.</a:t>
             </a:r>
-            <a:endParaRPr lang="en-US" sz="600" dirty="0">
-              <a:solidFill>
-                <a:schemeClr val="bg1">
-                  <a:lumMod val="50000"/>
-                </a:schemeClr>
-              </a:solidFill>
-              <a:latin typeface="Arial"/>
-              <a:cs typeface="Arial"/>
-            </a:endParaRPr>
           </a:p>
         </p:txBody>
       </p:sp>
@@ -2776,13 +2777,6 @@
   <p:clrMapOvr>
     <a:masterClrMapping/>
   </p:clrMapOvr>
-  <p:timing>
-    <p:tnLst>
-      <p:par>
-        <p:cTn xmlns:p14="http://schemas.microsoft.com/office/powerpoint/2010/main" id="1" dur="indefinite" restart="never" nodeType="tmRoot"/>
-      </p:par>
-    </p:tnLst>
-  </p:timing>
 </p:sldLayout>
 </file>
 
@@ -3138,10 +3132,9 @@
           </a:lstStyle>
           <a:p>
             <a:r>
-              <a:rPr lang="en-US" dirty="0" smtClean="0"/>
+              <a:rPr lang="en-US" dirty="0"/>
               <a:t>Click to edit Master title style</a:t>
             </a:r>
-            <a:endParaRPr lang="en-US" dirty="0"/>
           </a:p>
         </p:txBody>
       </p:sp>
@@ -3237,10 +3230,9 @@
           <a:p>
             <a:pPr lvl="0"/>
             <a:r>
-              <a:rPr lang="en-US" dirty="0" smtClean="0"/>
+              <a:rPr lang="en-US" dirty="0"/>
               <a:t>Click to edit Master</a:t>
             </a:r>
-            <a:endParaRPr lang="en-US" dirty="0"/>
           </a:p>
         </p:txBody>
       </p:sp>
@@ -3304,13 +3296,6 @@
   <p:clrMapOvr>
     <a:masterClrMapping/>
   </p:clrMapOvr>
-  <p:timing>
-    <p:tnLst>
-      <p:par>
-        <p:cTn xmlns:p14="http://schemas.microsoft.com/office/powerpoint/2010/main" id="1" dur="indefinite" restart="never" nodeType="tmRoot"/>
-      </p:par>
-    </p:tnLst>
-  </p:timing>
 </p:sldLayout>
 </file>
 
@@ -3482,13 +3467,6 @@
   <p:clrMapOvr>
     <a:masterClrMapping/>
   </p:clrMapOvr>
-  <p:timing>
-    <p:tnLst>
-      <p:par>
-        <p:cTn xmlns:p14="http://schemas.microsoft.com/office/powerpoint/2010/main" id="1" dur="indefinite" restart="never" nodeType="tmRoot"/>
-      </p:par>
-    </p:tnLst>
-  </p:timing>
 </p:sldLayout>
 </file>
 
@@ -3575,13 +3553,6 @@
   <p:clrMapOvr>
     <a:masterClrMapping/>
   </p:clrMapOvr>
-  <p:timing>
-    <p:tnLst>
-      <p:par>
-        <p:cTn xmlns:p14="http://schemas.microsoft.com/office/powerpoint/2010/main" id="1" dur="indefinite" restart="never" nodeType="tmRoot"/>
-      </p:par>
-    </p:tnLst>
-  </p:timing>
 </p:sldLayout>
 </file>
 
@@ -3640,10 +3611,9 @@
           </a:lstStyle>
           <a:p>
             <a:r>
-              <a:rPr lang="en-US" dirty="0" smtClean="0"/>
+              <a:rPr lang="en-US" dirty="0"/>
               <a:t>Click to Edit Master Title Style</a:t>
             </a:r>
-            <a:endParaRPr lang="en-US" dirty="0"/>
           </a:p>
         </p:txBody>
       </p:sp>
@@ -3657,16 +3627,9 @@
   <p:clrMapOvr>
     <a:masterClrMapping/>
   </p:clrMapOvr>
-  <p:transition xmlns:p14="http://schemas.microsoft.com/office/powerpoint/2010/main">
+  <p:transition>
     <p:fade/>
   </p:transition>
-  <p:timing>
-    <p:tnLst>
-      <p:par>
-        <p:cTn xmlns:p14="http://schemas.microsoft.com/office/powerpoint/2010/main" id="1" dur="indefinite" restart="never" nodeType="tmRoot"/>
-      </p:par>
-    </p:tnLst>
-  </p:timing>
 </p:sldLayout>
 </file>
 
@@ -4126,7 +4089,7 @@
   <p:clrMapOvr>
     <a:masterClrMapping/>
   </p:clrMapOvr>
-  <p:transition xmlns:p14="http://schemas.microsoft.com/office/powerpoint/2010/main" spd="med"/>
+  <p:transition spd="med"/>
 </p:sldLayout>
 </file>
 
@@ -5053,10 +5016,9 @@
           </a:lstStyle>
           <a:p>
             <a:r>
-              <a:rPr lang="en-US" dirty="0" smtClean="0"/>
+              <a:rPr lang="en-US" dirty="0"/>
               <a:t>Click to edit Master title style</a:t>
             </a:r>
-            <a:endParaRPr lang="en-US" dirty="0"/>
           </a:p>
         </p:txBody>
       </p:sp>
@@ -5152,10 +5114,9 @@
           <a:p>
             <a:pPr lvl="0"/>
             <a:r>
-              <a:rPr lang="en-US" dirty="0" smtClean="0"/>
+              <a:rPr lang="en-US" dirty="0"/>
               <a:t>Click to edit Master</a:t>
             </a:r>
-            <a:endParaRPr lang="en-US" dirty="0"/>
           </a:p>
         </p:txBody>
       </p:sp>
@@ -5169,13 +5130,6 @@
   <p:clrMapOvr>
     <a:masterClrMapping/>
   </p:clrMapOvr>
-  <p:timing>
-    <p:tnLst>
-      <p:par>
-        <p:cTn xmlns:p14="http://schemas.microsoft.com/office/powerpoint/2010/main" id="1" dur="indefinite" restart="never" nodeType="tmRoot"/>
-      </p:par>
-    </p:tnLst>
-  </p:timing>
 </p:sldLayout>
 </file>
 
@@ -5347,13 +5301,6 @@
   <p:clrMapOvr>
     <a:masterClrMapping/>
   </p:clrMapOvr>
-  <p:timing>
-    <p:tnLst>
-      <p:par>
-        <p:cTn xmlns:p14="http://schemas.microsoft.com/office/powerpoint/2010/main" id="1" dur="indefinite" restart="never" nodeType="tmRoot"/>
-      </p:par>
-    </p:tnLst>
-  </p:timing>
 </p:sldLayout>
 </file>
 
@@ -5440,13 +5387,6 @@
   <p:clrMapOvr>
     <a:masterClrMapping/>
   </p:clrMapOvr>
-  <p:timing>
-    <p:tnLst>
-      <p:par>
-        <p:cTn xmlns:p14="http://schemas.microsoft.com/office/powerpoint/2010/main" id="1" dur="indefinite" restart="never" nodeType="tmRoot"/>
-      </p:par>
-    </p:tnLst>
-  </p:timing>
 </p:sldLayout>
 </file>
 
@@ -5505,10 +5445,9 @@
           </a:lstStyle>
           <a:p>
             <a:r>
-              <a:rPr lang="en-US" dirty="0" smtClean="0"/>
+              <a:rPr lang="en-US" dirty="0"/>
               <a:t>Click to Edit Master Title Style</a:t>
             </a:r>
-            <a:endParaRPr lang="en-US" dirty="0"/>
           </a:p>
         </p:txBody>
       </p:sp>
@@ -5522,16 +5461,9 @@
   <p:clrMapOvr>
     <a:masterClrMapping/>
   </p:clrMapOvr>
-  <p:transition xmlns:p14="http://schemas.microsoft.com/office/powerpoint/2010/main">
+  <p:transition>
     <p:fade/>
   </p:transition>
-  <p:timing>
-    <p:tnLst>
-      <p:par>
-        <p:cTn xmlns:p14="http://schemas.microsoft.com/office/powerpoint/2010/main" id="1" dur="indefinite" restart="never" nodeType="tmRoot"/>
-      </p:par>
-    </p:tnLst>
-  </p:timing>
 </p:sldLayout>
 </file>
 
@@ -6904,13 +6836,6 @@
     <p:sldLayoutId id="2147483734" r:id="rId8"/>
     <p:sldLayoutId id="2147483735" r:id="rId9"/>
   </p:sldLayoutIdLst>
-  <p:timing>
-    <p:tnLst>
-      <p:par>
-        <p:cTn xmlns:p14="http://schemas.microsoft.com/office/powerpoint/2010/main" id="1" dur="indefinite" restart="never" nodeType="tmRoot"/>
-      </p:par>
-    </p:tnLst>
-  </p:timing>
   <p:hf hdr="0" ftr="0" dt="0"/>
   <p:txStyles>
     <p:titleStyle>
@@ -7237,13 +7162,6 @@
     <p:sldLayoutId id="2147483730" r:id="rId6"/>
     <p:sldLayoutId id="2147483731" r:id="rId7"/>
   </p:sldLayoutIdLst>
-  <p:timing>
-    <p:tnLst>
-      <p:par>
-        <p:cTn xmlns:p14="http://schemas.microsoft.com/office/powerpoint/2010/main" id="1" dur="indefinite" restart="never" nodeType="tmRoot"/>
-      </p:par>
-    </p:tnLst>
-  </p:timing>
   <p:hf hdr="0" ftr="0" dt="0"/>
   <p:txStyles>
     <p:titleStyle>
@@ -7656,7 +7574,7 @@
               </a:spcAft>
             </a:pPr>
             <a:r>
-              <a:rPr lang="en-US" sz="4200" b="1" spc="-100" dirty="0" smtClean="0">
+              <a:rPr lang="en-US" sz="4200" b="1" spc="-100" dirty="0">
                 <a:solidFill>
                   <a:srgbClr val="00AE9E"/>
                 </a:solidFill>
@@ -7713,7 +7631,7 @@
               </a:spcAft>
             </a:pPr>
             <a:r>
-              <a:rPr lang="en-US" sz="2800" spc="-100" dirty="0" smtClean="0">
+              <a:rPr lang="en-US" sz="2800" spc="-100" dirty="0">
                 <a:solidFill>
                   <a:schemeClr val="bg1"/>
                 </a:solidFill>
@@ -7728,19 +7646,6 @@
               </a:rPr>
               <a:t>Spring Cloud Netflix – Circuit Breakers and Fault Tolerance</a:t>
             </a:r>
-            <a:endParaRPr lang="en-US" sz="2800" spc="-100" dirty="0">
-              <a:solidFill>
-                <a:schemeClr val="bg1"/>
-              </a:solidFill>
-              <a:effectLst>
-                <a:outerShdw blurRad="50800" dist="38100" dir="5400000" algn="t" rotWithShape="0">
-                  <a:prstClr val="black">
-                    <a:alpha val="40000"/>
-                  </a:prstClr>
-                </a:outerShdw>
-              </a:effectLst>
-              <a:cs typeface="Arial"/>
-            </a:endParaRPr>
           </a:p>
         </p:txBody>
       </p:sp>
@@ -7754,13 +7659,6 @@
   <p:clrMapOvr>
     <a:masterClrMapping/>
   </p:clrMapOvr>
-  <p:timing>
-    <p:tnLst>
-      <p:par>
-        <p:cTn xmlns:p14="http://schemas.microsoft.com/office/powerpoint/2010/main" id="1" dur="indefinite" restart="never" nodeType="tmRoot"/>
-      </p:par>
-    </p:tnLst>
-  </p:timing>
 </p:sld>
 </file>
 
@@ -7802,7 +7700,7 @@
           <a:lstStyle/>
           <a:p>
             <a:r>
-              <a:rPr lang="en-US" dirty="0" smtClean="0"/>
+              <a:rPr lang="en-US" dirty="0"/>
               <a:t>Spring Cloud Services: Hystrix Dashboard</a:t>
             </a:r>
             <a:endParaRPr lang="en-US" dirty="0">
@@ -7840,7 +7738,7 @@
               <a:buChar char="•"/>
             </a:pPr>
             <a:r>
-              <a:rPr lang="en-US" dirty="0" smtClean="0">
+              <a:rPr lang="en-US" dirty="0">
                 <a:solidFill>
                   <a:srgbClr val="FFFFFF"/>
                 </a:solidFill>
@@ -7865,7 +7763,7 @@
               <a:buChar char="•"/>
             </a:pPr>
             <a:r>
-              <a:rPr lang="en-US" dirty="0" smtClean="0">
+              <a:rPr lang="en-US" dirty="0">
                 <a:solidFill>
                   <a:srgbClr val="FFFFFF"/>
                 </a:solidFill>
@@ -7890,7 +7788,7 @@
               <a:buChar char="•"/>
             </a:pPr>
             <a:r>
-              <a:rPr lang="en-US" dirty="0" smtClean="0">
+              <a:rPr lang="en-US" dirty="0">
                 <a:solidFill>
                   <a:srgbClr val="FFFFFF"/>
                 </a:solidFill>
@@ -7918,30 +7816,34 @@
                 <a:latin typeface="Courier New"/>
                 <a:cs typeface="Courier New"/>
               </a:rPr>
-              <a:t>&lt;dependency</a:t>
-            </a:r>
-            <a:r>
-              <a:rPr lang="en-US" sz="1000" b="1" dirty="0" smtClean="0">
+              <a:t>&lt;dependency&gt;</a:t>
+            </a:r>
+          </a:p>
+          <a:p>
+            <a:r>
+              <a:rPr lang="en-US" sz="1000" b="1" dirty="0">
                 <a:solidFill>
                   <a:srgbClr val="008774"/>
                 </a:solidFill>
                 <a:latin typeface="Courier New"/>
                 <a:cs typeface="Courier New"/>
               </a:rPr>
-              <a:t>&gt;</a:t>
-            </a:r>
-          </a:p>
-          <a:p>
-            <a:r>
-              <a:rPr lang="en-US" sz="1000" b="1" dirty="0" smtClean="0">
+              <a:t>   &lt;groupId&gt;io.pivotal.spring.cloud&lt;/groupId&gt;  </a:t>
+            </a:r>
+          </a:p>
+          <a:p>
+            <a:r>
+              <a:rPr lang="en-US" sz="1000" b="1" dirty="0">
                 <a:solidFill>
                   <a:srgbClr val="008774"/>
                 </a:solidFill>
                 <a:latin typeface="Courier New"/>
                 <a:cs typeface="Courier New"/>
               </a:rPr>
-              <a:t>   </a:t>
-            </a:r>
+              <a:t>   &lt;artifactId&gt;spring-cloud-services-starter-circuit-</a:t>
+            </a:r>
+          </a:p>
+          <a:p>
             <a:r>
               <a:rPr lang="en-US" sz="1000" b="1" dirty="0">
                 <a:solidFill>
@@ -7950,125 +7852,24 @@
                 <a:latin typeface="Courier New"/>
                 <a:cs typeface="Courier New"/>
               </a:rPr>
-              <a:t>&lt;groupId&gt;io.pivotal.spring.cloud&lt;/groupId&gt;  </a:t>
-            </a:r>
-            <a:endParaRPr lang="en-US" sz="1000" b="1" dirty="0" smtClean="0">
-              <a:solidFill>
-                <a:srgbClr val="008774"/>
-              </a:solidFill>
-              <a:latin typeface="Courier New"/>
-              <a:cs typeface="Courier New"/>
-            </a:endParaRPr>
-          </a:p>
-          <a:p>
-            <a:r>
-              <a:rPr lang="en-US" sz="1000" b="1" dirty="0" smtClean="0">
+              <a:t>               breaker&lt;/artifactId&gt;</a:t>
+            </a:r>
+          </a:p>
+          <a:p>
+            <a:r>
+              <a:rPr lang="en-US" sz="1000" b="1" dirty="0">
                 <a:solidFill>
                   <a:srgbClr val="008774"/>
                 </a:solidFill>
                 <a:latin typeface="Courier New"/>
                 <a:cs typeface="Courier New"/>
               </a:rPr>
-              <a:t>   &lt;</a:t>
-            </a:r>
-            <a:r>
-              <a:rPr lang="en-US" sz="1000" b="1" dirty="0">
-                <a:solidFill>
-                  <a:srgbClr val="008774"/>
-                </a:solidFill>
-                <a:latin typeface="Courier New"/>
-                <a:cs typeface="Courier New"/>
-              </a:rPr>
-              <a:t>artifactId&gt;spring-cloud-services-starter</a:t>
-            </a:r>
-            <a:r>
-              <a:rPr lang="en-US" sz="1000" b="1" dirty="0" smtClean="0">
-                <a:solidFill>
-                  <a:srgbClr val="008774"/>
-                </a:solidFill>
-                <a:latin typeface="Courier New"/>
-                <a:cs typeface="Courier New"/>
-              </a:rPr>
-              <a:t>-circuit-</a:t>
-            </a:r>
-          </a:p>
-          <a:p>
-            <a:r>
-              <a:rPr lang="en-US" sz="1000" b="1" dirty="0">
-                <a:solidFill>
-                  <a:srgbClr val="008774"/>
-                </a:solidFill>
-                <a:latin typeface="Courier New"/>
-                <a:cs typeface="Courier New"/>
-              </a:rPr>
-              <a:t> </a:t>
-            </a:r>
-            <a:r>
-              <a:rPr lang="en-US" sz="1000" b="1" dirty="0" smtClean="0">
-                <a:solidFill>
-                  <a:srgbClr val="008774"/>
-                </a:solidFill>
-                <a:latin typeface="Courier New"/>
-                <a:cs typeface="Courier New"/>
-              </a:rPr>
-              <a:t>              breaker</a:t>
-            </a:r>
-            <a:r>
-              <a:rPr lang="en-US" sz="1000" b="1" dirty="0">
-                <a:solidFill>
-                  <a:srgbClr val="008774"/>
-                </a:solidFill>
-                <a:latin typeface="Courier New"/>
-                <a:cs typeface="Courier New"/>
-              </a:rPr>
-              <a:t>&lt;/artifactId</a:t>
-            </a:r>
-            <a:r>
-              <a:rPr lang="en-US" sz="1000" b="1" dirty="0" smtClean="0">
-                <a:solidFill>
-                  <a:srgbClr val="008774"/>
-                </a:solidFill>
-                <a:latin typeface="Courier New"/>
-                <a:cs typeface="Courier New"/>
-              </a:rPr>
-              <a:t>&gt;</a:t>
-            </a:r>
-          </a:p>
-          <a:p>
-            <a:r>
-              <a:rPr lang="en-US" sz="1000" b="1" dirty="0" smtClean="0">
-                <a:solidFill>
-                  <a:srgbClr val="008774"/>
-                </a:solidFill>
-                <a:latin typeface="Courier New"/>
-                <a:cs typeface="Courier New"/>
-              </a:rPr>
-              <a:t>&lt;</a:t>
-            </a:r>
-            <a:r>
-              <a:rPr lang="en-US" sz="1000" b="1" dirty="0">
-                <a:solidFill>
-                  <a:srgbClr val="008774"/>
-                </a:solidFill>
-                <a:latin typeface="Courier New"/>
-                <a:cs typeface="Courier New"/>
-              </a:rPr>
-              <a:t>/dependency</a:t>
-            </a:r>
-            <a:r>
-              <a:rPr lang="en-US" sz="1000" b="1" dirty="0" smtClean="0">
-                <a:solidFill>
-                  <a:srgbClr val="008774"/>
-                </a:solidFill>
-                <a:latin typeface="Courier New"/>
-                <a:cs typeface="Courier New"/>
-              </a:rPr>
-              <a:t>&gt;</a:t>
+              <a:t>&lt;/dependency&gt;</a:t>
             </a:r>
           </a:p>
           <a:p>
             <a:pPr lvl="0" fontAlgn="base"/>
-            <a:endParaRPr lang="en-US" sz="1200" dirty="0" smtClean="0">
+            <a:endParaRPr lang="en-US" sz="1200" dirty="0">
               <a:solidFill>
                 <a:srgbClr val="FFFFFF"/>
               </a:solidFill>
@@ -8122,21 +7923,6 @@
   <p:clrMapOvr>
     <a:masterClrMapping/>
   </p:clrMapOvr>
-  <mc:AlternateContent xmlns:mc="http://schemas.openxmlformats.org/markup-compatibility/2006" xmlns:p14="http://schemas.microsoft.com/office/powerpoint/2010/main">
-    <mc:Choice Requires="p14">
-      <p:transition spd="slow" p14:dur="2000"/>
-    </mc:Choice>
-    <mc:Fallback xmlns="">
-      <p:transition xmlns:p14="http://schemas.microsoft.com/office/powerpoint/2010/main" spd="slow"/>
-    </mc:Fallback>
-  </mc:AlternateContent>
-  <p:timing>
-    <p:tnLst>
-      <p:par>
-        <p:cTn xmlns:p14="http://schemas.microsoft.com/office/powerpoint/2010/main" id="1" dur="indefinite" restart="never" nodeType="tmRoot"/>
-      </p:par>
-    </p:tnLst>
-  </p:timing>
 </p:sld>
 </file>
 
@@ -8484,14 +8270,6 @@
             <a:pPr algn="ctr">
               <a:buSzPct val="25000"/>
             </a:pPr>
-            <a:r>
-              <a:rPr lang="en-US" b="1" cap="all" dirty="0" smtClean="0">
-                <a:solidFill>
-                  <a:srgbClr val="74CEC7"/>
-                </a:solidFill>
-              </a:rPr>
-              <a:t>Lab</a:t>
-            </a:r>
             <a:endParaRPr lang="en" sz="2100" b="1" cap="all" dirty="0">
               <a:solidFill>
                 <a:srgbClr val="74CEC7"/>
@@ -8510,21 +8288,6 @@
   <p:clrMapOvr>
     <a:masterClrMapping/>
   </p:clrMapOvr>
-  <mc:AlternateContent xmlns:mc="http://schemas.openxmlformats.org/markup-compatibility/2006" xmlns:p14="http://schemas.microsoft.com/office/powerpoint/2010/main">
-    <mc:Choice Requires="p14">
-      <p:transition p14:dur="0"/>
-    </mc:Choice>
-    <mc:Fallback xmlns="">
-      <p:transition xmlns:p14="http://schemas.microsoft.com/office/powerpoint/2010/main"/>
-    </mc:Fallback>
-  </mc:AlternateContent>
-  <p:timing>
-    <p:tnLst>
-      <p:par>
-        <p:cTn xmlns:p14="http://schemas.microsoft.com/office/powerpoint/2010/main" id="1" dur="indefinite" restart="never" nodeType="tmRoot"/>
-      </p:par>
-    </p:tnLst>
-  </p:timing>
 </p:sld>
 </file>
 
@@ -8561,10 +8324,9 @@
           <a:lstStyle/>
           <a:p>
             <a:r>
-              <a:rPr lang="en-US" dirty="0" smtClean="0"/>
+              <a:rPr lang="en-US" dirty="0"/>
               <a:t>Fault Tolerance</a:t>
             </a:r>
-            <a:endParaRPr lang="en-US" dirty="0"/>
           </a:p>
         </p:txBody>
       </p:sp>
@@ -8585,11 +8347,7 @@
           <a:p>
             <a:r>
               <a:rPr lang="en-US" sz="1800" dirty="0"/>
-              <a:t>One failure must not cause a cascading failure across the entire system</a:t>
-            </a:r>
-            <a:r>
-              <a:rPr lang="en-US" sz="1800" dirty="0" smtClean="0"/>
-              <a:t>.</a:t>
+              <a:t>One failure must not cause a cascading failure across the entire system.</a:t>
             </a:r>
           </a:p>
           <a:p>
@@ -8601,47 +8359,23 @@
           <a:p>
             <a:r>
               <a:rPr lang="en-US" sz="1800" dirty="0"/>
-              <a:t>For example, for an application that depends on 30 services where each service has 99.99% uptime, here is what you can expect</a:t>
-            </a:r>
-            <a:r>
-              <a:rPr lang="en-US" sz="1800" dirty="0" smtClean="0"/>
-              <a:t>:</a:t>
+              <a:t>For example, for an application that depends on 30 services where each service has 99.99% uptime, here is what you can expect:</a:t>
             </a:r>
             <a:br>
-              <a:rPr lang="en-US" sz="1800" dirty="0" smtClean="0"/>
+              <a:rPr lang="en-US" sz="1800" dirty="0"/>
             </a:br>
             <a:r>
-              <a:rPr lang="en-US" sz="1600" dirty="0" smtClean="0">
+              <a:rPr lang="en-US" sz="1600" dirty="0">
                 <a:solidFill>
                   <a:schemeClr val="accent2"/>
                 </a:solidFill>
                 <a:latin typeface="Courier New"/>
                 <a:cs typeface="Courier New"/>
               </a:rPr>
-              <a:t>  99.99</a:t>
-            </a:r>
-            <a:r>
+              <a:t>  99.99^30 = 99.7% uptime</a:t>
+            </a:r>
+            <a:br>
               <a:rPr lang="en-US" sz="1600" dirty="0">
-                <a:solidFill>
-                  <a:schemeClr val="accent2"/>
-                </a:solidFill>
-                <a:latin typeface="Courier New"/>
-                <a:cs typeface="Courier New"/>
-              </a:rPr>
-              <a:t>^30 = 99.7% </a:t>
-            </a:r>
-            <a:r>
-              <a:rPr lang="en-US" sz="1600" dirty="0" smtClean="0">
-                <a:solidFill>
-                  <a:schemeClr val="accent2"/>
-                </a:solidFill>
-                <a:latin typeface="Courier New"/>
-                <a:cs typeface="Courier New"/>
-              </a:rPr>
-              <a:t>uptime</a:t>
-            </a:r>
-            <a:br>
-              <a:rPr lang="en-US" sz="1600" dirty="0" smtClean="0">
                 <a:solidFill>
                   <a:schemeClr val="accent2"/>
                 </a:solidFill>
@@ -8650,37 +8384,17 @@
               </a:rPr>
             </a:br>
             <a:r>
-              <a:rPr lang="en-US" sz="1600" dirty="0" smtClean="0">
+              <a:rPr lang="en-US" sz="1600" dirty="0">
                 <a:solidFill>
                   <a:schemeClr val="accent2"/>
                 </a:solidFill>
                 <a:latin typeface="Courier New"/>
                 <a:cs typeface="Courier New"/>
               </a:rPr>
-              <a:t>  </a:t>
-            </a:r>
-            <a:r>
+              <a:t>  0.3% of 1 billion requests = 3,000,000 failures  </a:t>
+            </a:r>
+            <a:br>
               <a:rPr lang="en-US" sz="1600" dirty="0">
-                <a:solidFill>
-                  <a:schemeClr val="accent2"/>
-                </a:solidFill>
-                <a:latin typeface="Courier New"/>
-                <a:cs typeface="Courier New"/>
-              </a:rPr>
-              <a:t>0.3% of 1 billion requests = 3,000,000 failures  </a:t>
-            </a:r>
-            <a:r>
-              <a:rPr lang="en-US" sz="1600" dirty="0" smtClean="0">
-                <a:solidFill>
-                  <a:schemeClr val="accent2"/>
-                </a:solidFill>
-                <a:latin typeface="Courier New"/>
-                <a:cs typeface="Courier New"/>
-              </a:rPr>
-              <a:t/>
-            </a:r>
-            <a:br>
-              <a:rPr lang="en-US" sz="1600" dirty="0" smtClean="0">
                 <a:solidFill>
                   <a:schemeClr val="accent2"/>
                 </a:solidFill>
@@ -8689,34 +8403,14 @@
               </a:rPr>
             </a:br>
             <a:r>
-              <a:rPr lang="en-US" sz="1600" dirty="0" smtClean="0">
+              <a:rPr lang="en-US" sz="1600" dirty="0">
                 <a:solidFill>
                   <a:schemeClr val="accent2"/>
                 </a:solidFill>
                 <a:latin typeface="Courier New"/>
                 <a:cs typeface="Courier New"/>
               </a:rPr>
-              <a:t>  2</a:t>
-            </a:r>
-            <a:r>
-              <a:rPr lang="en-US" sz="1600" dirty="0">
-                <a:solidFill>
-                  <a:schemeClr val="accent2"/>
-                </a:solidFill>
-                <a:latin typeface="Courier New"/>
-                <a:cs typeface="Courier New"/>
-              </a:rPr>
-              <a:t>+ hours downtime/month </a:t>
-            </a:r>
-            <a:r>
-              <a:rPr lang="en-US" sz="1600" dirty="0" smtClean="0">
-                <a:solidFill>
-                  <a:schemeClr val="accent2"/>
-                </a:solidFill>
-                <a:latin typeface="Courier New"/>
-                <a:cs typeface="Courier New"/>
-              </a:rPr>
-              <a:t>if </a:t>
+              <a:t>  2+ hours downtime/month if </a:t>
             </a:r>
             <a:r>
               <a:rPr lang="en-US" sz="1600" b="1" i="1" u="sng" dirty="0">
@@ -8736,41 +8430,20 @@
                 <a:latin typeface="Courier New"/>
                 <a:cs typeface="Courier New"/>
               </a:rPr>
-              <a:t> dependencies </a:t>
-            </a:r>
-            <a:r>
-              <a:rPr lang="en-US" sz="1600" dirty="0" smtClean="0">
-                <a:solidFill>
-                  <a:schemeClr val="accent2"/>
-                </a:solidFill>
-                <a:latin typeface="Courier New"/>
-                <a:cs typeface="Courier New"/>
-              </a:rPr>
-              <a:t>have 99.99%</a:t>
-            </a:r>
-            <a:r>
-              <a:rPr lang="en-US" sz="1800" dirty="0" smtClean="0">
-                <a:latin typeface="Courier New"/>
-                <a:cs typeface="Courier New"/>
-              </a:rPr>
-              <a:t/>
+              <a:t> dependencies have 99.99%</a:t>
             </a:r>
             <a:br>
-              <a:rPr lang="en-US" sz="1800" dirty="0" smtClean="0">
+              <a:rPr lang="en-US" sz="1800" dirty="0">
                 <a:latin typeface="Courier New"/>
                 <a:cs typeface="Courier New"/>
               </a:rPr>
             </a:br>
-            <a:endParaRPr lang="en-US" sz="1800" dirty="0" smtClean="0"/>
-          </a:p>
-          <a:p>
-            <a:r>
-              <a:rPr lang="en-US" sz="1800" dirty="0" smtClean="0"/>
-              <a:t>Reality </a:t>
-            </a:r>
+            <a:endParaRPr lang="en-US" sz="1800" dirty="0"/>
+          </a:p>
+          <a:p>
             <a:r>
               <a:rPr lang="en-US" sz="1800" dirty="0"/>
-              <a:t>is </a:t>
+              <a:t>Reality is </a:t>
             </a:r>
             <a:r>
               <a:rPr lang="en-US" sz="1800" i="1" dirty="0"/>
@@ -8778,14 +8451,10 @@
             </a:r>
             <a:r>
               <a:rPr lang="en-US" sz="1800" dirty="0"/>
-              <a:t> worse</a:t>
-            </a:r>
-            <a:r>
-              <a:rPr lang="en-US" sz="1800" dirty="0" smtClean="0"/>
-              <a:t>.</a:t>
+              <a:t> worse.</a:t>
             </a:r>
             <a:br>
-              <a:rPr lang="en-US" sz="1800" dirty="0" smtClean="0"/>
+              <a:rPr lang="en-US" sz="1800" dirty="0"/>
             </a:br>
             <a:endParaRPr lang="en-US" sz="1800" dirty="0"/>
           </a:p>
@@ -8826,13 +8495,6 @@
   <p:clrMapOvr>
     <a:masterClrMapping/>
   </p:clrMapOvr>
-  <p:timing>
-    <p:tnLst>
-      <p:par>
-        <p:cTn xmlns:p14="http://schemas.microsoft.com/office/powerpoint/2010/main" id="1" dur="indefinite" restart="never" nodeType="tmRoot"/>
-      </p:par>
-    </p:tnLst>
-  </p:timing>
 </p:sld>
 </file>
 
@@ -8869,10 +8531,9 @@
           <a:lstStyle/>
           <a:p>
             <a:r>
-              <a:rPr lang="en-US" dirty="0" smtClean="0"/>
+              <a:rPr lang="en-US" dirty="0"/>
               <a:t>Distributed Systems Failures</a:t>
             </a:r>
-            <a:endParaRPr lang="en-US" dirty="0"/>
           </a:p>
         </p:txBody>
       </p:sp>
@@ -8961,7 +8622,7 @@
   <p:timing>
     <p:tnLst>
       <p:par>
-        <p:cTn xmlns:p14="http://schemas.microsoft.com/office/powerpoint/2010/main" id="1" dur="indefinite" restart="never" nodeType="tmRoot">
+        <p:cTn id="1" dur="indefinite" restart="never" nodeType="tmRoot">
           <p:childTnLst>
             <p:seq concurrent="1" nextAc="seek">
               <p:cTn id="2" dur="indefinite" nodeType="mainSeq">
@@ -9162,10 +8823,9 @@
           <a:lstStyle/>
           <a:p>
             <a:r>
-              <a:rPr lang="en-US" dirty="0" smtClean="0"/>
+              <a:rPr lang="en-US" dirty="0"/>
               <a:t>Circuit Breaker Pattern</a:t>
             </a:r>
-            <a:endParaRPr lang="en-US" dirty="0"/>
           </a:p>
         </p:txBody>
       </p:sp>
@@ -9203,13 +8863,6 @@
   <p:clrMapOvr>
     <a:masterClrMapping/>
   </p:clrMapOvr>
-  <p:timing>
-    <p:tnLst>
-      <p:par>
-        <p:cTn xmlns:p14="http://schemas.microsoft.com/office/powerpoint/2010/main" id="1" dur="indefinite" restart="never" nodeType="tmRoot"/>
-      </p:par>
-    </p:tnLst>
-  </p:timing>
 </p:sld>
 </file>
 
@@ -9246,7 +8899,7 @@
           <a:lstStyle/>
           <a:p>
             <a:r>
-              <a:rPr lang="en-US" dirty="0" smtClean="0"/>
+              <a:rPr lang="en-US" dirty="0"/>
               <a:t>Implementing Circuit Breakers</a:t>
             </a:r>
             <a:endParaRPr lang="en-US" dirty="0">
@@ -9289,22 +8942,12 @@
                 <a:latin typeface="Courier New"/>
                 <a:cs typeface="Courier New"/>
               </a:rPr>
-              <a:t>@</a:t>
-            </a:r>
-            <a:r>
-              <a:rPr lang="en-US" sz="1200" b="1" dirty="0" smtClean="0">
-                <a:solidFill>
-                  <a:srgbClr val="008774"/>
-                </a:solidFill>
-                <a:latin typeface="Courier New"/>
-                <a:cs typeface="Courier New"/>
-              </a:rPr>
-              <a:t>SpringBootApplication</a:t>
-            </a:r>
-          </a:p>
-          <a:p>
-            <a:r>
-              <a:rPr lang="en-US" sz="1200" b="1" dirty="0" smtClean="0">
+              <a:t>@SpringBootApplication</a:t>
+            </a:r>
+          </a:p>
+          <a:p>
+            <a:r>
+              <a:rPr lang="en-US" sz="1200" b="1" dirty="0">
                 <a:solidFill>
                   <a:srgbClr val="008774"/>
                 </a:solidFill>
@@ -9316,7 +8959,7 @@
           </a:p>
           <a:p>
             <a:r>
-              <a:rPr lang="en-US" sz="1200" b="1" dirty="0" smtClean="0">
+              <a:rPr lang="en-US" sz="1200" b="1" dirty="0">
                 <a:solidFill>
                   <a:srgbClr val="008774"/>
                 </a:solidFill>
@@ -9325,7 +8968,7 @@
               </a:rPr>
               <a:t>@EnableCircuitBreaker</a:t>
             </a:r>
-            <a:endParaRPr lang="en-US" sz="1200" b="1" dirty="0" smtClean="0">
+            <a:endParaRPr lang="en-US" sz="1200" b="1" dirty="0">
               <a:solidFill>
                 <a:srgbClr val="FF0000"/>
               </a:solidFill>
@@ -9335,27 +8978,17 @@
           </a:p>
           <a:p>
             <a:r>
-              <a:rPr lang="en-US" sz="1200" dirty="0" smtClean="0">
+              <a:rPr lang="en-US" sz="1200" dirty="0">
                 <a:solidFill>
                   <a:srgbClr val="C0504D"/>
                 </a:solidFill>
                 <a:latin typeface="Courier New"/>
                 <a:cs typeface="Courier New"/>
               </a:rPr>
-              <a:t>public </a:t>
+              <a:t>public class </a:t>
             </a:r>
             <a:r>
               <a:rPr lang="en-US" sz="1200" dirty="0">
-                <a:solidFill>
-                  <a:srgbClr val="C0504D"/>
-                </a:solidFill>
-                <a:latin typeface="Courier New"/>
-                <a:cs typeface="Courier New"/>
-              </a:rPr>
-              <a:t>class </a:t>
-            </a:r>
-            <a:r>
-              <a:rPr lang="en-US" sz="1200" dirty="0" smtClean="0">
                 <a:solidFill>
                   <a:schemeClr val="accent3"/>
                 </a:solidFill>
@@ -9365,7 +8998,7 @@
               <a:t>MyClientApp</a:t>
             </a:r>
             <a:r>
-              <a:rPr lang="en-US" sz="1200" dirty="0" smtClean="0">
+              <a:rPr lang="en-US" sz="1200" dirty="0">
                 <a:latin typeface="Courier New"/>
                 <a:cs typeface="Courier New"/>
               </a:rPr>
@@ -9374,7 +9007,7 @@
           </a:p>
           <a:p>
             <a:r>
-              <a:rPr lang="en-US" sz="1200" dirty="0" smtClean="0">
+              <a:rPr lang="en-US" sz="1200" dirty="0">
                 <a:latin typeface="Courier New"/>
                 <a:cs typeface="Courier New"/>
               </a:rPr>
@@ -9424,40 +9057,19 @@
                 <a:latin typeface="Courier New"/>
                 <a:cs typeface="Courier New"/>
               </a:rPr>
-              <a:t>(String[] </a:t>
-            </a:r>
-            <a:r>
-              <a:rPr lang="en-US" sz="1200" dirty="0" smtClean="0">
-                <a:latin typeface="Courier New"/>
-                <a:cs typeface="Courier New"/>
-              </a:rPr>
-              <a:t>args</a:t>
-            </a:r>
+              <a:t>(String[] args) {</a:t>
+            </a:r>
+          </a:p>
+          <a:p>
             <a:r>
               <a:rPr lang="en-US" sz="1200" dirty="0">
                 <a:latin typeface="Courier New"/>
                 <a:cs typeface="Courier New"/>
               </a:rPr>
-              <a:t>) </a:t>
-            </a:r>
-            <a:r>
-              <a:rPr lang="en-US" sz="1200" dirty="0" smtClean="0">
-                <a:latin typeface="Courier New"/>
-                <a:cs typeface="Courier New"/>
-              </a:rPr>
-              <a:t>{</a:t>
-            </a:r>
-          </a:p>
-          <a:p>
-            <a:r>
-              <a:rPr lang="en-US" sz="1200" dirty="0" smtClean="0">
-                <a:latin typeface="Courier New"/>
-                <a:cs typeface="Courier New"/>
-              </a:rPr>
               <a:t>     SpringApplication.run(MyClientApp</a:t>
             </a:r>
             <a:r>
-              <a:rPr lang="en-US" sz="1200" dirty="0" smtClean="0">
+              <a:rPr lang="en-US" sz="1200" dirty="0">
                 <a:solidFill>
                   <a:srgbClr val="1F6FB8"/>
                 </a:solidFill>
@@ -9467,30 +9079,16 @@
               <a:t>.class</a:t>
             </a:r>
             <a:r>
-              <a:rPr lang="en-US" sz="1200" dirty="0" smtClean="0">
-                <a:latin typeface="Courier New"/>
-                <a:cs typeface="Courier New"/>
-              </a:rPr>
-              <a:t>, </a:t>
-            </a:r>
-            <a:r>
               <a:rPr lang="en-US" sz="1200" dirty="0">
                 <a:latin typeface="Courier New"/>
                 <a:cs typeface="Courier New"/>
               </a:rPr>
-              <a:t>args)</a:t>
-            </a:r>
-            <a:r>
-              <a:rPr lang="en-US" sz="1200" dirty="0" smtClean="0">
-                <a:latin typeface="Courier New"/>
-                <a:cs typeface="Courier New"/>
-              </a:rPr>
-              <a:t>;</a:t>
-            </a:r>
-          </a:p>
-          <a:p>
-            <a:r>
-              <a:rPr lang="en-US" sz="1200" dirty="0" smtClean="0">
+              <a:t>, args);</a:t>
+            </a:r>
+          </a:p>
+          <a:p>
+            <a:r>
+              <a:rPr lang="en-US" sz="1200" dirty="0">
                 <a:latin typeface="Courier New"/>
                 <a:cs typeface="Courier New"/>
               </a:rPr>
@@ -9499,16 +9097,12 @@
           </a:p>
           <a:p>
             <a:r>
-              <a:rPr lang="en-US" sz="1200" dirty="0" smtClean="0">
+              <a:rPr lang="en-US" sz="1200" dirty="0">
                 <a:latin typeface="Courier New"/>
                 <a:cs typeface="Courier New"/>
               </a:rPr>
               <a:t>}</a:t>
             </a:r>
-            <a:endParaRPr lang="en-US" sz="1200" dirty="0">
-              <a:latin typeface="Courier New"/>
-              <a:cs typeface="Courier New"/>
-            </a:endParaRPr>
           </a:p>
         </p:txBody>
       </p:sp>
@@ -9535,7 +9129,7 @@
           <a:lstStyle/>
           <a:p>
             <a:r>
-              <a:rPr lang="en-US" sz="1200" b="1" dirty="0" smtClean="0">
+              <a:rPr lang="en-US" sz="1200" b="1" dirty="0">
                 <a:solidFill>
                   <a:srgbClr val="FF0000"/>
                 </a:solidFill>
@@ -9543,18 +9137,7 @@
                 <a:cs typeface="Courier New"/>
                 <a:sym typeface="Wingdings"/>
               </a:rPr>
-              <a:t> </a:t>
-            </a:r>
-            <a:r>
-              <a:rPr lang="en-US" sz="1200" b="1" dirty="0">
-                <a:solidFill>
-                  <a:srgbClr val="FF0000"/>
-                </a:solidFill>
-                <a:latin typeface="Courier New"/>
-                <a:cs typeface="Courier New"/>
-                <a:sym typeface="Wingdings"/>
-              </a:rPr>
-              <a:t>MAGIC!!</a:t>
+              <a:t> MAGIC!!</a:t>
             </a:r>
             <a:endParaRPr lang="en-US" sz="1200" b="1" dirty="0">
               <a:solidFill>
@@ -9662,40 +9245,10 @@
                 <a:latin typeface="Courier New"/>
                 <a:cs typeface="Courier New"/>
               </a:rPr>
-              <a:t>   &lt;artifactId&gt;spring-</a:t>
-            </a:r>
-            <a:r>
-              <a:rPr lang="en-US" sz="1200" b="1" dirty="0" smtClean="0">
-                <a:solidFill>
-                  <a:srgbClr val="008774"/>
-                </a:solidFill>
-                <a:latin typeface="Courier New"/>
-                <a:cs typeface="Courier New"/>
-              </a:rPr>
-              <a:t>cloud-</a:t>
-            </a:r>
-            <a:r>
-              <a:rPr lang="en-US" sz="1200" b="1" dirty="0">
-                <a:solidFill>
-                  <a:srgbClr val="008774"/>
-                </a:solidFill>
-                <a:latin typeface="Courier New"/>
-                <a:cs typeface="Courier New"/>
-              </a:rPr>
-              <a:t>starter</a:t>
-            </a:r>
-            <a:r>
-              <a:rPr lang="en-US" sz="1200" b="1" dirty="0" smtClean="0">
-                <a:solidFill>
-                  <a:srgbClr val="008774"/>
-                </a:solidFill>
-                <a:latin typeface="Courier New"/>
-                <a:cs typeface="Courier New"/>
-              </a:rPr>
-              <a:t>-</a:t>
-            </a:r>
-            <a:r>
-              <a:rPr lang="en-US" sz="1200" b="1" dirty="0" err="1" smtClean="0">
+              <a:t>   &lt;artifactId&gt;spring-cloud-starter-</a:t>
+            </a:r>
+            <a:r>
+              <a:rPr lang="en-US" sz="1200" b="1" dirty="0" err="1">
                 <a:solidFill>
                   <a:srgbClr val="008774"/>
                 </a:solidFill>
@@ -9705,24 +9258,14 @@
               <a:t>hystrix</a:t>
             </a:r>
             <a:r>
-              <a:rPr lang="en-US" sz="1200" b="1" dirty="0" smtClean="0">
+              <a:rPr lang="en-US" sz="1200" b="1" dirty="0">
                 <a:solidFill>
                   <a:srgbClr val="008774"/>
                 </a:solidFill>
                 <a:latin typeface="Courier New"/>
                 <a:cs typeface="Courier New"/>
               </a:rPr>
-              <a:t>&lt;/artifactId</a:t>
-            </a:r>
-            <a:r>
-              <a:rPr lang="en-US" sz="1200" b="1" dirty="0">
-                <a:solidFill>
-                  <a:srgbClr val="008774"/>
-                </a:solidFill>
-                <a:latin typeface="Courier New"/>
-                <a:cs typeface="Courier New"/>
-              </a:rPr>
-              <a:t>&gt;</a:t>
+              <a:t>&lt;/artifactId&gt;</a:t>
             </a:r>
           </a:p>
           <a:p>
@@ -9752,21 +9295,6 @@
   <p:clrMapOvr>
     <a:masterClrMapping/>
   </p:clrMapOvr>
-  <mc:AlternateContent xmlns:mc="http://schemas.openxmlformats.org/markup-compatibility/2006" xmlns:p14="http://schemas.microsoft.com/office/powerpoint/2010/main">
-    <mc:Choice Requires="p14">
-      <p:transition spd="slow" p14:dur="2000"/>
-    </mc:Choice>
-    <mc:Fallback xmlns="">
-      <p:transition xmlns:p14="http://schemas.microsoft.com/office/powerpoint/2010/main" spd="slow"/>
-    </mc:Fallback>
-  </mc:AlternateContent>
-  <p:timing>
-    <p:tnLst>
-      <p:par>
-        <p:cTn xmlns:p14="http://schemas.microsoft.com/office/powerpoint/2010/main" id="1" dur="indefinite" restart="never" nodeType="tmRoot"/>
-      </p:par>
-    </p:tnLst>
-  </p:timing>
 </p:sld>
 </file>
 
@@ -9803,7 +9331,7 @@
           <a:lstStyle/>
           <a:p>
             <a:r>
-              <a:rPr lang="en-US" dirty="0" smtClean="0"/>
+              <a:rPr lang="en-US" dirty="0"/>
               <a:t>@HystrixCommand</a:t>
             </a:r>
             <a:endParaRPr lang="en-US" dirty="0">
@@ -9839,7 +9367,7 @@
           <a:lstStyle/>
           <a:p>
             <a:r>
-              <a:rPr lang="en-US" sz="1200" b="1" dirty="0" smtClean="0">
+              <a:rPr lang="en-US" sz="1200" b="1" dirty="0">
                 <a:solidFill>
                   <a:schemeClr val="accent1"/>
                 </a:solidFill>
@@ -9851,24 +9379,14 @@
           </a:p>
           <a:p>
             <a:r>
-              <a:rPr lang="en-US" sz="1200" dirty="0" smtClean="0">
+              <a:rPr lang="en-US" sz="1200" dirty="0">
                 <a:solidFill>
                   <a:srgbClr val="C0504D"/>
                 </a:solidFill>
                 <a:latin typeface="Courier New"/>
                 <a:cs typeface="Courier New"/>
               </a:rPr>
-              <a:t>public </a:t>
-            </a:r>
-            <a:r>
-              <a:rPr lang="en-US" sz="1200" dirty="0">
-                <a:solidFill>
-                  <a:srgbClr val="C0504D"/>
-                </a:solidFill>
-                <a:latin typeface="Courier New"/>
-                <a:cs typeface="Courier New"/>
-              </a:rPr>
-              <a:t>class </a:t>
+              <a:t>public class </a:t>
             </a:r>
             <a:r>
               <a:rPr lang="en-US" sz="1200" dirty="0">
@@ -9893,7 +9411,7 @@
               <a:t> </a:t>
             </a:r>
             <a:r>
-              <a:rPr lang="en-US" sz="1200" dirty="0" smtClean="0">
+              <a:rPr lang="en-US" sz="1200" dirty="0">
                 <a:latin typeface="Courier New"/>
                 <a:cs typeface="Courier New"/>
               </a:rPr>
@@ -9908,7 +9426,7 @@
           </a:p>
           <a:p>
             <a:r>
-              <a:rPr lang="en-US" sz="1200" dirty="0" smtClean="0">
+              <a:rPr lang="en-US" sz="1200" dirty="0">
                 <a:solidFill>
                   <a:srgbClr val="008774"/>
                 </a:solidFill>
@@ -9918,37 +9436,17 @@
               <a:t>   </a:t>
             </a:r>
             <a:r>
-              <a:rPr lang="en-US" sz="1200" b="1" dirty="0" smtClean="0">
+              <a:rPr lang="en-US" sz="1200" b="1" dirty="0">
                 <a:solidFill>
                   <a:srgbClr val="008774"/>
                 </a:solidFill>
                 <a:latin typeface="Courier New"/>
                 <a:cs typeface="Courier New"/>
               </a:rPr>
-              <a:t>@</a:t>
+              <a:t>@HystrixCommand(fallbackMethod = "defaultFortune"</a:t>
             </a:r>
             <a:r>
               <a:rPr lang="en-US" sz="1200" b="1" dirty="0">
-                <a:solidFill>
-                  <a:srgbClr val="008774"/>
-                </a:solidFill>
-                <a:latin typeface="Courier New"/>
-                <a:cs typeface="Courier New"/>
-              </a:rPr>
-              <a:t>HystrixCommand(fallbackMethod = "defaultFortune</a:t>
-            </a:r>
-            <a:r>
-              <a:rPr lang="en-US" sz="1200" b="1" dirty="0" smtClean="0">
-                <a:solidFill>
-                  <a:srgbClr val="008774"/>
-                </a:solidFill>
-                <a:latin typeface="Courier New"/>
-                <a:cs typeface="Courier New"/>
-              </a:rPr>
-              <a:t>"</a:t>
-            </a:r>
-            <a:r>
-              <a:rPr lang="en-US" sz="1200" b="1" dirty="0" smtClean="0">
                 <a:solidFill>
                   <a:srgbClr val="016B54"/>
                 </a:solidFill>
@@ -9960,7 +9458,7 @@
           </a:p>
           <a:p>
             <a:r>
-              <a:rPr lang="en-US" sz="1200" b="1" dirty="0" smtClean="0">
+              <a:rPr lang="en-US" sz="1200" b="1" dirty="0">
                 <a:solidFill>
                   <a:srgbClr val="016B54"/>
                 </a:solidFill>
@@ -9970,7 +9468,7 @@
               <a:t>      </a:t>
             </a:r>
             <a:r>
-              <a:rPr lang="en-US" sz="1200" b="1" dirty="0" smtClean="0">
+              <a:rPr lang="en-US" sz="1200" b="1" dirty="0">
                 <a:solidFill>
                   <a:srgbClr val="008774"/>
                 </a:solidFill>
@@ -9982,7 +9480,7 @@
           </a:p>
           <a:p>
             <a:r>
-              <a:rPr lang="en-US" sz="1200" b="1" dirty="0" smtClean="0">
+              <a:rPr lang="en-US" sz="1200" b="1" dirty="0">
                 <a:solidFill>
                   <a:srgbClr val="008774"/>
                 </a:solidFill>
@@ -9999,30 +9497,10 @@
                 <a:latin typeface="Courier New"/>
                 <a:cs typeface="Courier New"/>
               </a:rPr>
-              <a:t>name="</a:t>
-            </a:r>
-            <a:r>
-              <a:rPr lang="en-US" sz="1000" b="1" dirty="0" smtClean="0">
-                <a:solidFill>
-                  <a:srgbClr val="008774"/>
-                </a:solidFill>
-                <a:latin typeface="Courier New"/>
-                <a:cs typeface="Courier New"/>
-              </a:rPr>
-              <a:t>execution.isolation.thread.timeoutInMilliseconds”, value</a:t>
-            </a:r>
-            <a:r>
-              <a:rPr lang="en-US" sz="1000" b="1" dirty="0">
-                <a:solidFill>
-                  <a:srgbClr val="008774"/>
-                </a:solidFill>
-                <a:latin typeface="Courier New"/>
-                <a:cs typeface="Courier New"/>
-              </a:rPr>
-              <a:t>="500"</a:t>
-            </a:r>
-            <a:r>
-              <a:rPr lang="en-US" sz="1200" b="1" dirty="0" smtClean="0">
+              <a:t>name="execution.isolation.thread.timeoutInMilliseconds”, value="500"</a:t>
+            </a:r>
+            <a:r>
+              <a:rPr lang="en-US" sz="1200" b="1" dirty="0">
                 <a:solidFill>
                   <a:srgbClr val="008774"/>
                 </a:solidFill>
@@ -10041,17 +9519,7 @@
                 <a:latin typeface="Courier New"/>
                 <a:cs typeface="Courier New"/>
               </a:rPr>
-              <a:t> </a:t>
-            </a:r>
-            <a:r>
-              <a:rPr lang="en-US" sz="1200" b="1" dirty="0" smtClean="0">
-                <a:solidFill>
-                  <a:srgbClr val="008774"/>
-                </a:solidFill>
-                <a:latin typeface="Courier New"/>
-                <a:cs typeface="Courier New"/>
-              </a:rPr>
-              <a:t>     }) </a:t>
+              <a:t>      }) </a:t>
             </a:r>
             <a:r>
               <a:rPr lang="en-US" sz="1200" b="1" dirty="0">
@@ -10063,21 +9531,177 @@
               </a:rPr>
               <a:t> </a:t>
             </a:r>
-            <a:endParaRPr lang="en-US" sz="1200" b="1" dirty="0" smtClean="0">
-              <a:solidFill>
-                <a:srgbClr val="016B54"/>
-              </a:solidFill>
+          </a:p>
+          <a:p>
+            <a:r>
+              <a:rPr lang="en-US" sz="1200" dirty="0">
+                <a:latin typeface="Courier New"/>
+                <a:cs typeface="Courier New"/>
+              </a:rPr>
+              <a:t>   </a:t>
+            </a:r>
+            <a:r>
+              <a:rPr lang="en-US" sz="1200" dirty="0">
+                <a:solidFill>
+                  <a:srgbClr val="C0504D"/>
+                </a:solidFill>
+                <a:latin typeface="Courier New"/>
+                <a:cs typeface="Courier New"/>
+              </a:rPr>
+              <a:t>public</a:t>
+            </a:r>
+            <a:r>
+              <a:rPr lang="en-US" sz="1200" dirty="0">
+                <a:latin typeface="Courier New"/>
+                <a:cs typeface="Courier New"/>
+              </a:rPr>
+              <a:t> String </a:t>
+            </a:r>
+            <a:r>
+              <a:rPr lang="en-US" sz="1200" dirty="0">
+                <a:solidFill>
+                  <a:srgbClr val="523059"/>
+                </a:solidFill>
+                <a:latin typeface="Courier New"/>
+                <a:cs typeface="Courier New"/>
+              </a:rPr>
+              <a:t>getFortune</a:t>
+            </a:r>
+            <a:r>
+              <a:rPr lang="en-US" sz="1200" dirty="0">
+                <a:latin typeface="Courier New"/>
+                <a:cs typeface="Courier New"/>
+              </a:rPr>
+              <a:t>() {</a:t>
+            </a:r>
+          </a:p>
+          <a:p>
+            <a:r>
+              <a:rPr lang="en-US" sz="1200" dirty="0">
+                <a:latin typeface="Courier New"/>
+                <a:cs typeface="Courier New"/>
+              </a:rPr>
+              <a:t>  	</a:t>
+            </a:r>
+            <a:r>
+              <a:rPr lang="en-US" sz="1200" dirty="0">
+                <a:solidFill>
+                  <a:srgbClr val="C0504D"/>
+                </a:solidFill>
+                <a:latin typeface="Courier New"/>
+                <a:cs typeface="Courier New"/>
+              </a:rPr>
+              <a:t>return</a:t>
+            </a:r>
+            <a:r>
+              <a:rPr lang="en-US" sz="1200" dirty="0">
+                <a:latin typeface="Courier New"/>
+                <a:cs typeface="Courier New"/>
+              </a:rPr>
+              <a:t> restTemplate.getForObject("http://fortune-service", String.class);</a:t>
+            </a:r>
+          </a:p>
+          <a:p>
+            <a:r>
+              <a:rPr lang="en-US" sz="1200" dirty="0">
+                <a:latin typeface="Courier New"/>
+                <a:cs typeface="Courier New"/>
+              </a:rPr>
+              <a:t>   }</a:t>
+            </a:r>
+          </a:p>
+          <a:p>
+            <a:endParaRPr lang="en-US" sz="1200" dirty="0">
               <a:latin typeface="Courier New"/>
               <a:cs typeface="Courier New"/>
             </a:endParaRPr>
           </a:p>
           <a:p>
             <a:r>
-              <a:rPr lang="en-US" sz="1200" dirty="0" smtClean="0">
+              <a:rPr lang="en-US" sz="1200" dirty="0">
                 <a:latin typeface="Courier New"/>
                 <a:cs typeface="Courier New"/>
               </a:rPr>
-              <a:t> </a:t>
+              <a:t>   </a:t>
+            </a:r>
+            <a:r>
+              <a:rPr lang="en-US" sz="1200" dirty="0">
+                <a:solidFill>
+                  <a:srgbClr val="C0504D"/>
+                </a:solidFill>
+                <a:latin typeface="Courier New"/>
+                <a:cs typeface="Courier New"/>
+              </a:rPr>
+              <a:t>public</a:t>
+            </a:r>
+            <a:r>
+              <a:rPr lang="en-US" sz="1200" dirty="0">
+                <a:latin typeface="Courier New"/>
+                <a:cs typeface="Courier New"/>
+              </a:rPr>
+              <a:t> String </a:t>
+            </a:r>
+            <a:r>
+              <a:rPr lang="en-US" sz="1200" dirty="0">
+                <a:solidFill>
+                  <a:srgbClr val="523059"/>
+                </a:solidFill>
+                <a:latin typeface="Courier New"/>
+                <a:cs typeface="Courier New"/>
+              </a:rPr>
+              <a:t>defaultFortune</a:t>
+            </a:r>
+            <a:r>
+              <a:rPr lang="en-US" sz="1200" dirty="0">
+                <a:latin typeface="Courier New"/>
+                <a:cs typeface="Courier New"/>
+              </a:rPr>
+              <a:t>() {</a:t>
+            </a:r>
+          </a:p>
+          <a:p>
+            <a:r>
+              <a:rPr lang="en-US" sz="1200" dirty="0">
+                <a:latin typeface="Courier New"/>
+                <a:cs typeface="Courier New"/>
+              </a:rPr>
+              <a:t>     logger.debug(</a:t>
+            </a:r>
+            <a:r>
+              <a:rPr lang="en-US" sz="1200" dirty="0">
+                <a:solidFill>
+                  <a:srgbClr val="1F6FB8"/>
+                </a:solidFill>
+                <a:latin typeface="Courier New"/>
+                <a:cs typeface="Courier New"/>
+              </a:rPr>
+              <a:t>"Default fortune used."</a:t>
+            </a:r>
+            <a:r>
+              <a:rPr lang="en-US" sz="1200" dirty="0">
+                <a:latin typeface="Courier New"/>
+                <a:cs typeface="Courier New"/>
+              </a:rPr>
+              <a:t>);</a:t>
+            </a:r>
+          </a:p>
+          <a:p>
+            <a:r>
+              <a:rPr lang="en-US" sz="1200" dirty="0">
+                <a:latin typeface="Courier New"/>
+                <a:cs typeface="Courier New"/>
+              </a:rPr>
+              <a:t> 	</a:t>
+            </a:r>
+            <a:r>
+              <a:rPr lang="en-US" sz="1200" dirty="0">
+                <a:solidFill>
+                  <a:srgbClr val="C0504D"/>
+                </a:solidFill>
+                <a:latin typeface="Courier New"/>
+                <a:cs typeface="Courier New"/>
+              </a:rPr>
+              <a:t>return</a:t>
             </a:r>
             <a:r>
               <a:rPr lang="en-US" sz="1200" dirty="0">
@@ -10087,328 +9711,39 @@
               <a:t> </a:t>
             </a:r>
             <a:r>
-              <a:rPr lang="en-US" sz="1200" dirty="0" smtClean="0">
+              <a:rPr lang="en-US" sz="1200" dirty="0">
+                <a:solidFill>
+                  <a:srgbClr val="1F6FB8"/>
+                </a:solidFill>
                 <a:latin typeface="Courier New"/>
                 <a:cs typeface="Courier New"/>
               </a:rPr>
-              <a:t> </a:t>
-            </a:r>
-            <a:r>
-              <a:rPr lang="en-US" sz="1200" dirty="0" smtClean="0">
-                <a:solidFill>
-                  <a:srgbClr val="C0504D"/>
-                </a:solidFill>
-                <a:latin typeface="Courier New"/>
-                <a:cs typeface="Courier New"/>
-              </a:rPr>
-              <a:t>public</a:t>
-            </a:r>
-            <a:r>
-              <a:rPr lang="en-US" sz="1200" dirty="0" smtClean="0">
-                <a:latin typeface="Courier New"/>
-                <a:cs typeface="Courier New"/>
-              </a:rPr>
-              <a:t> </a:t>
+              <a:t>"This fortune is no good. Try another."</a:t>
             </a:r>
             <a:r>
               <a:rPr lang="en-US" sz="1200" dirty="0">
                 <a:latin typeface="Courier New"/>
                 <a:cs typeface="Courier New"/>
               </a:rPr>
-              <a:t>String </a:t>
-            </a:r>
-            <a:r>
-              <a:rPr lang="en-US" sz="1200" dirty="0">
-                <a:solidFill>
-                  <a:srgbClr val="523059"/>
-                </a:solidFill>
-                <a:latin typeface="Courier New"/>
-                <a:cs typeface="Courier New"/>
-              </a:rPr>
-              <a:t>getFortune</a:t>
-            </a:r>
+              <a:t>;</a:t>
+            </a:r>
+          </a:p>
+          <a:p>
             <a:r>
               <a:rPr lang="en-US" sz="1200" dirty="0">
                 <a:latin typeface="Courier New"/>
                 <a:cs typeface="Courier New"/>
               </a:rPr>
-              <a:t>() </a:t>
-            </a:r>
-            <a:r>
-              <a:rPr lang="en-US" sz="1200" dirty="0" smtClean="0">
-                <a:latin typeface="Courier New"/>
-                <a:cs typeface="Courier New"/>
-              </a:rPr>
-              <a:t>{</a:t>
-            </a:r>
-          </a:p>
-          <a:p>
-            <a:r>
-              <a:rPr lang="en-US" sz="1200" dirty="0" smtClean="0">
-                <a:latin typeface="Courier New"/>
-                <a:cs typeface="Courier New"/>
-              </a:rPr>
-              <a:t>  </a:t>
-            </a:r>
+              <a:t>   }</a:t>
+            </a:r>
+          </a:p>
+          <a:p>
             <a:r>
               <a:rPr lang="en-US" sz="1200" dirty="0">
                 <a:latin typeface="Courier New"/>
                 <a:cs typeface="Courier New"/>
               </a:rPr>
-              <a:t>	</a:t>
-            </a:r>
-            <a:r>
-              <a:rPr lang="en-US" sz="1200" dirty="0" smtClean="0">
-                <a:solidFill>
-                  <a:srgbClr val="C0504D"/>
-                </a:solidFill>
-                <a:latin typeface="Courier New"/>
-                <a:cs typeface="Courier New"/>
-              </a:rPr>
-              <a:t>return</a:t>
-            </a:r>
-            <a:r>
-              <a:rPr lang="en-US" sz="1200" dirty="0" smtClean="0">
-                <a:latin typeface="Courier New"/>
-                <a:cs typeface="Courier New"/>
-              </a:rPr>
-              <a:t> restTemplate.getForObject(</a:t>
-            </a:r>
-            <a:r>
-              <a:rPr lang="en-US" sz="1200" dirty="0">
-                <a:latin typeface="Courier New"/>
-                <a:cs typeface="Courier New"/>
-              </a:rPr>
-              <a:t>"http://fortune-service", String.class)</a:t>
-            </a:r>
-            <a:r>
-              <a:rPr lang="en-US" sz="1200" dirty="0" smtClean="0">
-                <a:latin typeface="Courier New"/>
-                <a:cs typeface="Courier New"/>
-              </a:rPr>
-              <a:t>;</a:t>
-            </a:r>
-          </a:p>
-          <a:p>
-            <a:r>
-              <a:rPr lang="en-US" sz="1200" dirty="0">
-                <a:latin typeface="Courier New"/>
-                <a:cs typeface="Courier New"/>
-              </a:rPr>
-              <a:t> </a:t>
-            </a:r>
-            <a:r>
-              <a:rPr lang="en-US" sz="1200" dirty="0" smtClean="0">
-                <a:latin typeface="Courier New"/>
-                <a:cs typeface="Courier New"/>
-              </a:rPr>
-              <a:t>  }</a:t>
-            </a:r>
-          </a:p>
-          <a:p>
-            <a:endParaRPr lang="en-US" sz="1200" dirty="0">
-              <a:latin typeface="Courier New"/>
-              <a:cs typeface="Courier New"/>
-            </a:endParaRPr>
-          </a:p>
-          <a:p>
-            <a:r>
-              <a:rPr lang="en-US" sz="1200" dirty="0" smtClean="0">
-                <a:latin typeface="Courier New"/>
-                <a:cs typeface="Courier New"/>
-              </a:rPr>
-              <a:t>  </a:t>
-            </a:r>
-            <a:r>
-              <a:rPr lang="en-US" sz="1200" dirty="0">
-                <a:latin typeface="Courier New"/>
-                <a:cs typeface="Courier New"/>
-              </a:rPr>
-              <a:t> </a:t>
-            </a:r>
-            <a:r>
-              <a:rPr lang="en-US" sz="1200" dirty="0" smtClean="0">
-                <a:solidFill>
-                  <a:srgbClr val="C0504D"/>
-                </a:solidFill>
-                <a:latin typeface="Courier New"/>
-                <a:cs typeface="Courier New"/>
-              </a:rPr>
-              <a:t>public</a:t>
-            </a:r>
-            <a:r>
-              <a:rPr lang="en-US" sz="1200" dirty="0" smtClean="0">
-                <a:latin typeface="Courier New"/>
-                <a:cs typeface="Courier New"/>
-              </a:rPr>
-              <a:t> </a:t>
-            </a:r>
-            <a:r>
-              <a:rPr lang="en-US" sz="1200" dirty="0">
-                <a:latin typeface="Courier New"/>
-                <a:cs typeface="Courier New"/>
-              </a:rPr>
-              <a:t>String </a:t>
-            </a:r>
-            <a:r>
-              <a:rPr lang="en-US" sz="1200" dirty="0">
-                <a:solidFill>
-                  <a:srgbClr val="523059"/>
-                </a:solidFill>
-                <a:latin typeface="Courier New"/>
-                <a:cs typeface="Courier New"/>
-              </a:rPr>
-              <a:t>defaultFortune</a:t>
-            </a:r>
-            <a:r>
-              <a:rPr lang="en-US" sz="1200" dirty="0">
-                <a:latin typeface="Courier New"/>
-                <a:cs typeface="Courier New"/>
-              </a:rPr>
-              <a:t>(</a:t>
-            </a:r>
-            <a:r>
-              <a:rPr lang="en-US" sz="1200" dirty="0" smtClean="0">
-                <a:latin typeface="Courier New"/>
-                <a:cs typeface="Courier New"/>
-              </a:rPr>
-              <a:t>) {</a:t>
-            </a:r>
-          </a:p>
-          <a:p>
-            <a:r>
-              <a:rPr lang="en-US" sz="1200" dirty="0" smtClean="0">
-                <a:latin typeface="Courier New"/>
-                <a:cs typeface="Courier New"/>
-              </a:rPr>
-              <a:t> </a:t>
-            </a:r>
-            <a:r>
-              <a:rPr lang="en-US" sz="1200" dirty="0">
-                <a:latin typeface="Courier New"/>
-                <a:cs typeface="Courier New"/>
-              </a:rPr>
-              <a:t> </a:t>
-            </a:r>
-            <a:r>
-              <a:rPr lang="en-US" sz="1200" dirty="0" smtClean="0">
-                <a:latin typeface="Courier New"/>
-                <a:cs typeface="Courier New"/>
-              </a:rPr>
-              <a:t>   logger.debug</a:t>
-            </a:r>
-            <a:r>
-              <a:rPr lang="en-US" sz="1200" dirty="0">
-                <a:latin typeface="Courier New"/>
-                <a:cs typeface="Courier New"/>
-              </a:rPr>
-              <a:t>(</a:t>
-            </a:r>
-            <a:r>
-              <a:rPr lang="en-US" sz="1200" dirty="0">
-                <a:solidFill>
-                  <a:srgbClr val="1F6FB8"/>
-                </a:solidFill>
-                <a:latin typeface="Courier New"/>
-                <a:cs typeface="Courier New"/>
-              </a:rPr>
-              <a:t>"Default fortune used."</a:t>
-            </a:r>
-            <a:r>
-              <a:rPr lang="en-US" sz="1200" dirty="0">
-                <a:latin typeface="Courier New"/>
-                <a:cs typeface="Courier New"/>
-              </a:rPr>
-              <a:t>)</a:t>
-            </a:r>
-            <a:r>
-              <a:rPr lang="en-US" sz="1200" dirty="0" smtClean="0">
-                <a:latin typeface="Courier New"/>
-                <a:cs typeface="Courier New"/>
-              </a:rPr>
-              <a:t>;</a:t>
-            </a:r>
-          </a:p>
-          <a:p>
-            <a:r>
-              <a:rPr lang="en-US" sz="1200" dirty="0" smtClean="0">
-                <a:latin typeface="Courier New"/>
-                <a:cs typeface="Courier New"/>
-              </a:rPr>
-              <a:t> </a:t>
-            </a:r>
-            <a:r>
-              <a:rPr lang="en-US" sz="1200" dirty="0">
-                <a:latin typeface="Courier New"/>
-                <a:cs typeface="Courier New"/>
-              </a:rPr>
-              <a:t>	</a:t>
-            </a:r>
-            <a:r>
-              <a:rPr lang="en-US" sz="1200" dirty="0" smtClean="0">
-                <a:solidFill>
-                  <a:srgbClr val="C0504D"/>
-                </a:solidFill>
-                <a:latin typeface="Courier New"/>
-                <a:cs typeface="Courier New"/>
-              </a:rPr>
-              <a:t>return</a:t>
-            </a:r>
-            <a:r>
-              <a:rPr lang="en-US" sz="1200" dirty="0" smtClean="0">
-                <a:latin typeface="Courier New"/>
-                <a:cs typeface="Courier New"/>
-              </a:rPr>
-              <a:t> </a:t>
-            </a:r>
-            <a:r>
-              <a:rPr lang="en-US" sz="1200" dirty="0">
-                <a:solidFill>
-                  <a:srgbClr val="1F6FB8"/>
-                </a:solidFill>
-                <a:latin typeface="Courier New"/>
-                <a:cs typeface="Courier New"/>
-              </a:rPr>
-              <a:t>"This fortune is no good. Try another."</a:t>
-            </a:r>
-            <a:r>
-              <a:rPr lang="en-US" sz="1200" dirty="0" smtClean="0">
-                <a:latin typeface="Courier New"/>
-                <a:cs typeface="Courier New"/>
-              </a:rPr>
-              <a:t>;</a:t>
-            </a:r>
-          </a:p>
-          <a:p>
-            <a:r>
-              <a:rPr lang="en-US" sz="1200" dirty="0">
-                <a:latin typeface="Courier New"/>
-                <a:cs typeface="Courier New"/>
-              </a:rPr>
-              <a:t> </a:t>
-            </a:r>
-            <a:r>
-              <a:rPr lang="en-US" sz="1200" dirty="0" smtClean="0">
-                <a:latin typeface="Courier New"/>
-                <a:cs typeface="Courier New"/>
-              </a:rPr>
-              <a:t>  }</a:t>
-            </a:r>
-          </a:p>
-          <a:p>
-            <a:r>
-              <a:rPr lang="en-US" sz="1200" dirty="0" smtClean="0">
-                <a:latin typeface="Courier New"/>
-                <a:cs typeface="Courier New"/>
-              </a:rPr>
-              <a:t> </a:t>
-            </a:r>
-            <a:r>
-              <a:rPr lang="en-US" sz="1200" dirty="0">
-                <a:latin typeface="Courier New"/>
-                <a:cs typeface="Courier New"/>
-              </a:rPr>
-              <a:t>}  </a:t>
+              <a:t> }  </a:t>
             </a:r>
           </a:p>
         </p:txBody>
@@ -10423,21 +9758,6 @@
   <p:clrMapOvr>
     <a:masterClrMapping/>
   </p:clrMapOvr>
-  <mc:AlternateContent xmlns:mc="http://schemas.openxmlformats.org/markup-compatibility/2006" xmlns:p14="http://schemas.microsoft.com/office/powerpoint/2010/main">
-    <mc:Choice Requires="p14">
-      <p:transition spd="slow" p14:dur="2000"/>
-    </mc:Choice>
-    <mc:Fallback xmlns="">
-      <p:transition xmlns:p14="http://schemas.microsoft.com/office/powerpoint/2010/main" spd="slow"/>
-    </mc:Fallback>
-  </mc:AlternateContent>
-  <p:timing>
-    <p:tnLst>
-      <p:par>
-        <p:cTn xmlns:p14="http://schemas.microsoft.com/office/powerpoint/2010/main" id="1" dur="indefinite" restart="never" nodeType="tmRoot"/>
-      </p:par>
-    </p:tnLst>
-  </p:timing>
 </p:sld>
 </file>
 
@@ -10474,10 +9794,9 @@
           <a:lstStyle/>
           <a:p>
             <a:r>
-              <a:rPr lang="en-US" dirty="0" smtClean="0"/>
+              <a:rPr lang="en-US" dirty="0"/>
               <a:t>@HystrixCommand Metrics</a:t>
             </a:r>
-            <a:endParaRPr lang="en-US" dirty="0"/>
           </a:p>
         </p:txBody>
       </p:sp>
@@ -10497,11 +9816,11 @@
           <a:lstStyle/>
           <a:p>
             <a:r>
-              <a:rPr lang="en-US" sz="1800" b="1" dirty="0" smtClean="0"/>
+              <a:rPr lang="en-US" sz="1800" b="1" dirty="0"/>
               <a:t>Hystrix publishers real-time metrics for each </a:t>
             </a:r>
             <a:r>
-              <a:rPr lang="en-US" sz="1800" b="1" dirty="0" smtClean="0">
+              <a:rPr lang="en-US" sz="1800" b="1" dirty="0">
                 <a:latin typeface="Courier New"/>
                 <a:cs typeface="Courier New"/>
               </a:rPr>
@@ -10555,25 +9874,25 @@
               <a:t>propertyValue_circuitBreakerRequestVolumeThreshold</a:t>
             </a:r>
             <a:r>
-              <a:rPr lang="en-US" sz="1400" dirty="0" smtClean="0"/>
+              <a:rPr lang="en-US" sz="1400" dirty="0"/>
               <a:t>)</a:t>
             </a:r>
             <a:br>
-              <a:rPr lang="en-US" sz="1400" dirty="0" smtClean="0"/>
+              <a:rPr lang="en-US" sz="1400" dirty="0"/>
             </a:br>
             <a:endParaRPr lang="en-US" sz="1400" dirty="0"/>
           </a:p>
           <a:p>
             <a:r>
-              <a:rPr lang="en-US" sz="1800" dirty="0" smtClean="0"/>
+              <a:rPr lang="en-US" sz="1800" dirty="0"/>
               <a:t>Published to /</a:t>
             </a:r>
             <a:r>
-              <a:rPr lang="en-US" sz="1800" dirty="0" err="1" smtClean="0"/>
+              <a:rPr lang="en-US" sz="1800" dirty="0" err="1"/>
               <a:t>hystrix.stream</a:t>
             </a:r>
             <a:r>
-              <a:rPr lang="en-US" sz="1800" dirty="0" smtClean="0"/>
+              <a:rPr lang="en-US" sz="1800" dirty="0"/>
               <a:t> endpoint &amp; boot actuator metrics</a:t>
             </a:r>
           </a:p>
@@ -10582,22 +9901,21 @@
           </a:p>
           <a:p>
             <a:r>
-              <a:rPr lang="en-US" sz="1800" dirty="0" smtClean="0"/>
+              <a:rPr lang="en-US" sz="1800" dirty="0"/>
               <a:t>Individual /hystrix.streams aggregated via Turbine and published via /</a:t>
             </a:r>
             <a:r>
-              <a:rPr lang="en-US" sz="1800" dirty="0" err="1" smtClean="0"/>
+              <a:rPr lang="en-US" sz="1800" dirty="0" err="1"/>
               <a:t>turbine.stream</a:t>
             </a:r>
             <a:r>
-              <a:rPr lang="en-US" sz="1800" dirty="0" smtClean="0"/>
+              <a:rPr lang="en-US" sz="1800" dirty="0"/>
               <a:t> or AMQP.</a:t>
             </a:r>
+          </a:p>
+          <a:p>
+            <a:pPr lvl="1"/>
             <a:endParaRPr lang="en-US" sz="1800" dirty="0"/>
-          </a:p>
-          <a:p>
-            <a:pPr lvl="1"/>
-            <a:endParaRPr lang="en-US" sz="1800" dirty="0" smtClean="0"/>
           </a:p>
         </p:txBody>
       </p:sp>
@@ -10611,13 +9929,6 @@
   <p:clrMapOvr>
     <a:masterClrMapping/>
   </p:clrMapOvr>
-  <p:timing>
-    <p:tnLst>
-      <p:par>
-        <p:cTn xmlns:p14="http://schemas.microsoft.com/office/powerpoint/2010/main" id="1" dur="indefinite" restart="never" nodeType="tmRoot"/>
-      </p:par>
-    </p:tnLst>
-  </p:timing>
 </p:sld>
 </file>
 
@@ -10654,10 +9965,9 @@
           <a:lstStyle/>
           <a:p>
             <a:r>
-              <a:rPr lang="en-US" dirty="0" smtClean="0"/>
+              <a:rPr lang="en-US" dirty="0"/>
               <a:t>Hystrix Metrics With Turbine</a:t>
             </a:r>
-            <a:endParaRPr lang="en-US" dirty="0"/>
           </a:p>
         </p:txBody>
       </p:sp>
@@ -10695,13 +10005,6 @@
   <p:clrMapOvr>
     <a:masterClrMapping/>
   </p:clrMapOvr>
-  <p:timing>
-    <p:tnLst>
-      <p:par>
-        <p:cTn xmlns:p14="http://schemas.microsoft.com/office/powerpoint/2010/main" id="1" dur="indefinite" restart="never" nodeType="tmRoot"/>
-      </p:par>
-    </p:tnLst>
-  </p:timing>
 </p:sld>
 </file>
 
@@ -10738,10 +10041,9 @@
           <a:lstStyle/>
           <a:p>
             <a:r>
-              <a:rPr lang="en-US" dirty="0" smtClean="0"/>
+              <a:rPr lang="en-US" dirty="0"/>
               <a:t>Hystrix Dashboard</a:t>
             </a:r>
-            <a:endParaRPr lang="en-US" dirty="0"/>
           </a:p>
         </p:txBody>
       </p:sp>
@@ -10803,13 +10105,6 @@
   <p:clrMapOvr>
     <a:masterClrMapping/>
   </p:clrMapOvr>
-  <p:timing>
-    <p:tnLst>
-      <p:par>
-        <p:cTn xmlns:p14="http://schemas.microsoft.com/office/powerpoint/2010/main" id="1" dur="indefinite" restart="never" nodeType="tmRoot"/>
-      </p:par>
-    </p:tnLst>
-  </p:timing>
 </p:sld>
 </file>
 
